--- a/Work_Tracking_Presentation.pptx
+++ b/Work_Tracking_Presentation.pptx
@@ -3138,11 +3138,6 @@
           <a:p>
             <a:r>
               <a:t>Exploring Two Powerful Tools for Project Management</a:t>
-            </a:r>
-          </a:p>
-          <a:p>
-            <a:r>
-              <a:t>Your Name &amp; Date</a:t>
             </a:r>
           </a:p>
         </p:txBody>
